--- a/SlideDeck.pptx
+++ b/SlideDeck.pptx
@@ -11,11 +11,13 @@
     <p:sldId id="259" r:id="rId5"/>
     <p:sldId id="261" r:id="rId6"/>
     <p:sldId id="266" r:id="rId7"/>
-    <p:sldId id="262" r:id="rId8"/>
-    <p:sldId id="260" r:id="rId9"/>
-    <p:sldId id="263" r:id="rId10"/>
-    <p:sldId id="264" r:id="rId11"/>
-    <p:sldId id="265" r:id="rId12"/>
+    <p:sldId id="268" r:id="rId8"/>
+    <p:sldId id="262" r:id="rId9"/>
+    <p:sldId id="260" r:id="rId10"/>
+    <p:sldId id="263" r:id="rId11"/>
+    <p:sldId id="267" r:id="rId12"/>
+    <p:sldId id="264" r:id="rId13"/>
+    <p:sldId id="265" r:id="rId14"/>
   </p:sldIdLst>
   <p:sldSz cx="9144000" cy="6858000" type="screen4x3"/>
   <p:notesSz cx="6858000" cy="9144000"/>
@@ -397,7 +399,7 @@
           <a:p>
             <a:fld id="{A6E30D98-CB6A-442C-9E0D-812B137E4B65}" type="datetimeFigureOut">
               <a:rPr lang="en-US" smtClean="0"/>
-              <a:t>5/9/2018</a:t>
+              <a:t>5/29/2018</a:t>
             </a:fld>
             <a:endParaRPr lang="en-US"/>
           </a:p>
@@ -790,7 +792,7 @@
           <a:p>
             <a:fld id="{A6E30D98-CB6A-442C-9E0D-812B137E4B65}" type="datetimeFigureOut">
               <a:rPr lang="en-US" smtClean="0"/>
-              <a:t>5/9/2018</a:t>
+              <a:t>5/29/2018</a:t>
             </a:fld>
             <a:endParaRPr lang="en-US"/>
           </a:p>
@@ -1322,7 +1324,7 @@
           <a:p>
             <a:fld id="{A6E30D98-CB6A-442C-9E0D-812B137E4B65}" type="datetimeFigureOut">
               <a:rPr lang="en-US" smtClean="0"/>
-              <a:t>5/9/2018</a:t>
+              <a:t>5/29/2018</a:t>
             </a:fld>
             <a:endParaRPr lang="en-US"/>
           </a:p>
@@ -1455,7 +1457,7 @@
           <a:p>
             <a:fld id="{A6E30D98-CB6A-442C-9E0D-812B137E4B65}" type="datetimeFigureOut">
               <a:rPr lang="en-US" smtClean="0"/>
-              <a:t>5/9/2018</a:t>
+              <a:t>5/29/2018</a:t>
             </a:fld>
             <a:endParaRPr lang="en-US"/>
           </a:p>
@@ -1998,7 +2000,7 @@
           <a:p>
             <a:fld id="{A6E30D98-CB6A-442C-9E0D-812B137E4B65}" type="datetimeFigureOut">
               <a:rPr lang="en-US" smtClean="0"/>
-              <a:t>5/9/2018</a:t>
+              <a:t>5/29/2018</a:t>
             </a:fld>
             <a:endParaRPr lang="en-US"/>
           </a:p>
@@ -2293,7 +2295,7 @@
           <a:p>
             <a:fld id="{A6E30D98-CB6A-442C-9E0D-812B137E4B65}" type="datetimeFigureOut">
               <a:rPr lang="en-US" smtClean="0"/>
-              <a:t>5/9/2018</a:t>
+              <a:t>5/29/2018</a:t>
             </a:fld>
             <a:endParaRPr lang="en-US"/>
           </a:p>
@@ -2952,7 +2954,7 @@
           <a:p>
             <a:fld id="{A6E30D98-CB6A-442C-9E0D-812B137E4B65}" type="datetimeFigureOut">
               <a:rPr lang="en-US" smtClean="0"/>
-              <a:t>5/9/2018</a:t>
+              <a:t>5/29/2018</a:t>
             </a:fld>
             <a:endParaRPr lang="en-US"/>
           </a:p>
@@ -3388,7 +3390,7 @@
           <a:p>
             <a:fld id="{A6E30D98-CB6A-442C-9E0D-812B137E4B65}" type="datetimeFigureOut">
               <a:rPr lang="en-US" smtClean="0"/>
-              <a:t>5/9/2018</a:t>
+              <a:t>5/29/2018</a:t>
             </a:fld>
             <a:endParaRPr lang="en-US"/>
           </a:p>
@@ -3701,7 +3703,7 @@
           <a:p>
             <a:fld id="{A6E30D98-CB6A-442C-9E0D-812B137E4B65}" type="datetimeFigureOut">
               <a:rPr lang="en-US" smtClean="0"/>
-              <a:t>5/9/2018</a:t>
+              <a:t>5/29/2018</a:t>
             </a:fld>
             <a:endParaRPr lang="en-US"/>
           </a:p>
@@ -4433,7 +4435,7 @@
           <a:p>
             <a:fld id="{A6E30D98-CB6A-442C-9E0D-812B137E4B65}" type="datetimeFigureOut">
               <a:rPr lang="en-US" smtClean="0"/>
-              <a:t>5/9/2018</a:t>
+              <a:t>5/29/2018</a:t>
             </a:fld>
             <a:endParaRPr lang="en-US"/>
           </a:p>
@@ -5097,7 +5099,7 @@
           <a:p>
             <a:fld id="{A6E30D98-CB6A-442C-9E0D-812B137E4B65}" type="datetimeFigureOut">
               <a:rPr lang="en-US" smtClean="0"/>
-              <a:t>5/9/2018</a:t>
+              <a:t>5/29/2018</a:t>
             </a:fld>
             <a:endParaRPr lang="en-US"/>
           </a:p>
@@ -5370,7 +5372,7 @@
           <a:p>
             <a:fld id="{A6E30D98-CB6A-442C-9E0D-812B137E4B65}" type="datetimeFigureOut">
               <a:rPr lang="en-US" smtClean="0"/>
-              <a:t>5/9/2018</a:t>
+              <a:t>5/29/2018</a:t>
             </a:fld>
             <a:endParaRPr lang="en-US"/>
           </a:p>
@@ -6155,6 +6157,498 @@
           <a:bodyPr/>
           <a:lstStyle/>
           <a:p>
+            <a:r>
+              <a:rPr lang="en-US" dirty="0" smtClean="0"/>
+              <a:t>Findings</a:t>
+            </a:r>
+            <a:endParaRPr lang="en-US" dirty="0"/>
+          </a:p>
+        </p:txBody>
+      </p:sp>
+      <p:sp>
+        <p:nvSpPr>
+          <p:cNvPr id="3" name="Content Placeholder 2"/>
+          <p:cNvSpPr>
+            <a:spLocks noGrp="1"/>
+          </p:cNvSpPr>
+          <p:nvPr>
+            <p:ph sz="quarter" idx="1"/>
+          </p:nvPr>
+        </p:nvSpPr>
+        <p:spPr/>
+        <p:txBody>
+          <a:bodyPr/>
+          <a:lstStyle/>
+          <a:p>
+            <a:r>
+              <a:rPr lang="en-US" dirty="0" smtClean="0"/>
+              <a:t>The test accuracy of the personality types are ~65-70% using </a:t>
+            </a:r>
+            <a:r>
+              <a:rPr lang="en-US" dirty="0" err="1" smtClean="0"/>
+              <a:t>MultinomialNB</a:t>
+            </a:r>
+            <a:endParaRPr lang="en-US" dirty="0"/>
+          </a:p>
+        </p:txBody>
+      </p:sp>
+      <p:pic>
+        <p:nvPicPr>
+          <p:cNvPr id="2052" name="Picture 1"/>
+          <p:cNvPicPr>
+            <a:picLocks noChangeAspect="1" noChangeArrowheads="1"/>
+          </p:cNvPicPr>
+          <p:nvPr/>
+        </p:nvPicPr>
+        <p:blipFill>
+          <a:blip r:embed="rId2">
+            <a:extLst>
+              <a:ext uri="{28A0092B-C50C-407E-A947-70E740481C1C}">
+                <a14:useLocalDpi xmlns:a14="http://schemas.microsoft.com/office/drawing/2010/main" val="0"/>
+              </a:ext>
+            </a:extLst>
+          </a:blip>
+          <a:srcRect/>
+          <a:stretch>
+            <a:fillRect/>
+          </a:stretch>
+        </p:blipFill>
+        <p:spPr bwMode="auto">
+          <a:xfrm>
+            <a:off x="857250" y="2562225"/>
+            <a:ext cx="2895600" cy="2114550"/>
+          </a:xfrm>
+          <a:prstGeom prst="rect">
+            <a:avLst/>
+          </a:prstGeom>
+          <a:noFill/>
+          <a:extLst>
+            <a:ext uri="{909E8E84-426E-40DD-AFC4-6F175D3DCCD1}">
+              <a14:hiddenFill xmlns:a14="http://schemas.microsoft.com/office/drawing/2010/main">
+                <a:solidFill>
+                  <a:srgbClr val="FFFFFF"/>
+                </a:solidFill>
+              </a14:hiddenFill>
+            </a:ext>
+          </a:extLst>
+        </p:spPr>
+      </p:pic>
+      <p:pic>
+        <p:nvPicPr>
+          <p:cNvPr id="2051" name="Picture 19"/>
+          <p:cNvPicPr>
+            <a:picLocks noChangeAspect="1" noChangeArrowheads="1"/>
+          </p:cNvPicPr>
+          <p:nvPr/>
+        </p:nvPicPr>
+        <p:blipFill>
+          <a:blip r:embed="rId3">
+            <a:extLst>
+              <a:ext uri="{28A0092B-C50C-407E-A947-70E740481C1C}">
+                <a14:useLocalDpi xmlns:a14="http://schemas.microsoft.com/office/drawing/2010/main" val="0"/>
+              </a:ext>
+            </a:extLst>
+          </a:blip>
+          <a:srcRect/>
+          <a:stretch>
+            <a:fillRect/>
+          </a:stretch>
+        </p:blipFill>
+        <p:spPr bwMode="auto">
+          <a:xfrm>
+            <a:off x="5181600" y="2562225"/>
+            <a:ext cx="2686050" cy="2105025"/>
+          </a:xfrm>
+          <a:prstGeom prst="rect">
+            <a:avLst/>
+          </a:prstGeom>
+          <a:noFill/>
+          <a:extLst>
+            <a:ext uri="{909E8E84-426E-40DD-AFC4-6F175D3DCCD1}">
+              <a14:hiddenFill xmlns:a14="http://schemas.microsoft.com/office/drawing/2010/main">
+                <a:solidFill>
+                  <a:srgbClr val="FFFFFF"/>
+                </a:solidFill>
+              </a14:hiddenFill>
+            </a:ext>
+          </a:extLst>
+        </p:spPr>
+      </p:pic>
+      <p:pic>
+        <p:nvPicPr>
+          <p:cNvPr id="2050" name="Picture 20"/>
+          <p:cNvPicPr>
+            <a:picLocks noChangeAspect="1" noChangeArrowheads="1"/>
+          </p:cNvPicPr>
+          <p:nvPr/>
+        </p:nvPicPr>
+        <p:blipFill>
+          <a:blip r:embed="rId4">
+            <a:extLst>
+              <a:ext uri="{28A0092B-C50C-407E-A947-70E740481C1C}">
+                <a14:useLocalDpi xmlns:a14="http://schemas.microsoft.com/office/drawing/2010/main" val="0"/>
+              </a:ext>
+            </a:extLst>
+          </a:blip>
+          <a:srcRect/>
+          <a:stretch>
+            <a:fillRect/>
+          </a:stretch>
+        </p:blipFill>
+        <p:spPr bwMode="auto">
+          <a:xfrm>
+            <a:off x="990600" y="4750116"/>
+            <a:ext cx="2628900" cy="2066925"/>
+          </a:xfrm>
+          <a:prstGeom prst="rect">
+            <a:avLst/>
+          </a:prstGeom>
+          <a:noFill/>
+          <a:extLst>
+            <a:ext uri="{909E8E84-426E-40DD-AFC4-6F175D3DCCD1}">
+              <a14:hiddenFill xmlns:a14="http://schemas.microsoft.com/office/drawing/2010/main">
+                <a:solidFill>
+                  <a:srgbClr val="FFFFFF"/>
+                </a:solidFill>
+              </a14:hiddenFill>
+            </a:ext>
+          </a:extLst>
+        </p:spPr>
+      </p:pic>
+      <p:pic>
+        <p:nvPicPr>
+          <p:cNvPr id="2049" name="Picture 21"/>
+          <p:cNvPicPr>
+            <a:picLocks noChangeAspect="1" noChangeArrowheads="1"/>
+          </p:cNvPicPr>
+          <p:nvPr/>
+        </p:nvPicPr>
+        <p:blipFill>
+          <a:blip r:embed="rId5">
+            <a:extLst>
+              <a:ext uri="{28A0092B-C50C-407E-A947-70E740481C1C}">
+                <a14:useLocalDpi xmlns:a14="http://schemas.microsoft.com/office/drawing/2010/main" val="0"/>
+              </a:ext>
+            </a:extLst>
+          </a:blip>
+          <a:srcRect/>
+          <a:stretch>
+            <a:fillRect/>
+          </a:stretch>
+        </p:blipFill>
+        <p:spPr bwMode="auto">
+          <a:xfrm>
+            <a:off x="5194069" y="4750115"/>
+            <a:ext cx="2628900" cy="2066925"/>
+          </a:xfrm>
+          <a:prstGeom prst="rect">
+            <a:avLst/>
+          </a:prstGeom>
+          <a:noFill/>
+          <a:extLst>
+            <a:ext uri="{909E8E84-426E-40DD-AFC4-6F175D3DCCD1}">
+              <a14:hiddenFill xmlns:a14="http://schemas.microsoft.com/office/drawing/2010/main">
+                <a:solidFill>
+                  <a:srgbClr val="FFFFFF"/>
+                </a:solidFill>
+              </a14:hiddenFill>
+            </a:ext>
+          </a:extLst>
+        </p:spPr>
+      </p:pic>
+      <p:sp>
+        <p:nvSpPr>
+          <p:cNvPr id="4" name="Rectangle 5"/>
+          <p:cNvSpPr>
+            <a:spLocks noChangeArrowheads="1"/>
+          </p:cNvSpPr>
+          <p:nvPr/>
+        </p:nvSpPr>
+        <p:spPr bwMode="auto">
+          <a:xfrm>
+            <a:off x="0" y="0"/>
+            <a:ext cx="9144000" cy="457200"/>
+          </a:xfrm>
+          <a:prstGeom prst="rect">
+            <a:avLst/>
+          </a:prstGeom>
+          <a:noFill/>
+          <a:ln>
+            <a:noFill/>
+          </a:ln>
+          <a:effectLst/>
+          <a:extLst>
+            <a:ext uri="{909E8E84-426E-40DD-AFC4-6F175D3DCCD1}">
+              <a14:hiddenFill xmlns:a14="http://schemas.microsoft.com/office/drawing/2010/main">
+                <a:solidFill>
+                  <a:schemeClr val="accent1"/>
+                </a:solidFill>
+              </a14:hiddenFill>
+            </a:ext>
+            <a:ext uri="{91240B29-F687-4F45-9708-019B960494DF}">
+              <a14:hiddenLine xmlns:a14="http://schemas.microsoft.com/office/drawing/2010/main" w="9525">
+                <a:solidFill>
+                  <a:schemeClr val="tx1"/>
+                </a:solidFill>
+                <a:miter lim="800000"/>
+                <a:headEnd/>
+                <a:tailEnd/>
+              </a14:hiddenLine>
+            </a:ext>
+            <a:ext uri="{AF507438-7753-43E0-B8FC-AC1667EBCBE1}">
+              <a14:hiddenEffects xmlns:a14="http://schemas.microsoft.com/office/drawing/2010/main">
+                <a:effectLst>
+                  <a:outerShdw dist="35921" dir="2700000" algn="ctr" rotWithShape="0">
+                    <a:schemeClr val="bg2"/>
+                  </a:outerShdw>
+                </a:effectLst>
+              </a14:hiddenEffects>
+            </a:ext>
+          </a:extLst>
+        </p:spPr>
+        <p:txBody>
+          <a:bodyPr vert="horz" wrap="none" lIns="91440" tIns="45720" rIns="91440" bIns="45720" numCol="1" anchor="ctr" anchorCtr="0" compatLnSpc="1">
+            <a:prstTxWarp prst="textNoShape">
+              <a:avLst/>
+            </a:prstTxWarp>
+            <a:spAutoFit/>
+          </a:bodyPr>
+          <a:lstStyle/>
+          <a:p>
+            <a:endParaRPr lang="en-US"/>
+          </a:p>
+        </p:txBody>
+      </p:sp>
+      <p:sp>
+        <p:nvSpPr>
+          <p:cNvPr id="5" name="Rectangle 6"/>
+          <p:cNvSpPr>
+            <a:spLocks noChangeArrowheads="1"/>
+          </p:cNvSpPr>
+          <p:nvPr/>
+        </p:nvSpPr>
+        <p:spPr bwMode="auto">
+          <a:xfrm>
+            <a:off x="0" y="4676775"/>
+            <a:ext cx="9144000" cy="457200"/>
+          </a:xfrm>
+          <a:prstGeom prst="rect">
+            <a:avLst/>
+          </a:prstGeom>
+          <a:noFill/>
+          <a:ln>
+            <a:noFill/>
+          </a:ln>
+          <a:effectLst/>
+          <a:extLst>
+            <a:ext uri="{909E8E84-426E-40DD-AFC4-6F175D3DCCD1}">
+              <a14:hiddenFill xmlns:a14="http://schemas.microsoft.com/office/drawing/2010/main">
+                <a:solidFill>
+                  <a:schemeClr val="accent1"/>
+                </a:solidFill>
+              </a14:hiddenFill>
+            </a:ext>
+            <a:ext uri="{91240B29-F687-4F45-9708-019B960494DF}">
+              <a14:hiddenLine xmlns:a14="http://schemas.microsoft.com/office/drawing/2010/main" w="9525">
+                <a:solidFill>
+                  <a:schemeClr val="tx1"/>
+                </a:solidFill>
+                <a:miter lim="800000"/>
+                <a:headEnd/>
+                <a:tailEnd/>
+              </a14:hiddenLine>
+            </a:ext>
+            <a:ext uri="{AF507438-7753-43E0-B8FC-AC1667EBCBE1}">
+              <a14:hiddenEffects xmlns:a14="http://schemas.microsoft.com/office/drawing/2010/main">
+                <a:effectLst>
+                  <a:outerShdw dist="35921" dir="2700000" algn="ctr" rotWithShape="0">
+                    <a:schemeClr val="bg2"/>
+                  </a:outerShdw>
+                </a:effectLst>
+              </a14:hiddenEffects>
+            </a:ext>
+          </a:extLst>
+        </p:spPr>
+        <p:txBody>
+          <a:bodyPr vert="horz" wrap="none" lIns="91440" tIns="45720" rIns="91440" bIns="45720" numCol="1" anchor="ctr" anchorCtr="0" compatLnSpc="1">
+            <a:prstTxWarp prst="textNoShape">
+              <a:avLst/>
+            </a:prstTxWarp>
+            <a:spAutoFit/>
+          </a:bodyPr>
+          <a:lstStyle/>
+          <a:p>
+            <a:endParaRPr lang="en-US"/>
+          </a:p>
+        </p:txBody>
+      </p:sp>
+    </p:spTree>
+    <p:extLst>
+      <p:ext uri="{BB962C8B-B14F-4D97-AF65-F5344CB8AC3E}">
+        <p14:creationId xmlns:p14="http://schemas.microsoft.com/office/powerpoint/2010/main" val="3552307657"/>
+      </p:ext>
+    </p:extLst>
+  </p:cSld>
+  <p:clrMapOvr>
+    <a:masterClrMapping/>
+  </p:clrMapOvr>
+</p:sld>
+</file>
+
+<file path=ppt/slides/slide11.xml><?xml version="1.0" encoding="utf-8"?>
+<p:sld xmlns:a="http://schemas.openxmlformats.org/drawingml/2006/main" xmlns:r="http://schemas.openxmlformats.org/officeDocument/2006/relationships" xmlns:p="http://schemas.openxmlformats.org/presentationml/2006/main">
+  <p:cSld>
+    <p:spTree>
+      <p:nvGrpSpPr>
+        <p:cNvPr id="1" name=""/>
+        <p:cNvGrpSpPr/>
+        <p:nvPr/>
+      </p:nvGrpSpPr>
+      <p:grpSpPr>
+        <a:xfrm>
+          <a:off x="0" y="0"/>
+          <a:ext cx="0" cy="0"/>
+          <a:chOff x="0" y="0"/>
+          <a:chExt cx="0" cy="0"/>
+        </a:xfrm>
+      </p:grpSpPr>
+      <p:sp>
+        <p:nvSpPr>
+          <p:cNvPr id="2" name="Title 1"/>
+          <p:cNvSpPr>
+            <a:spLocks noGrp="1"/>
+          </p:cNvSpPr>
+          <p:nvPr>
+            <p:ph type="title"/>
+          </p:nvPr>
+        </p:nvSpPr>
+        <p:spPr/>
+        <p:txBody>
+          <a:bodyPr/>
+          <a:lstStyle/>
+          <a:p>
+            <a:r>
+              <a:rPr lang="en-US" dirty="0" smtClean="0"/>
+              <a:t>Adding the </a:t>
+            </a:r>
+            <a:r>
+              <a:rPr lang="en-US" smtClean="0"/>
+              <a:t>Reddit Data</a:t>
+            </a:r>
+            <a:endParaRPr lang="en-US" dirty="0"/>
+          </a:p>
+        </p:txBody>
+      </p:sp>
+      <p:sp>
+        <p:nvSpPr>
+          <p:cNvPr id="3" name="Content Placeholder 2"/>
+          <p:cNvSpPr>
+            <a:spLocks noGrp="1"/>
+          </p:cNvSpPr>
+          <p:nvPr>
+            <p:ph sz="quarter" idx="1"/>
+          </p:nvPr>
+        </p:nvSpPr>
+        <p:spPr/>
+        <p:txBody>
+          <a:bodyPr/>
+          <a:lstStyle/>
+          <a:p>
+            <a:r>
+              <a:rPr lang="en-US" dirty="0"/>
+              <a:t>Including the </a:t>
+            </a:r>
+            <a:r>
+              <a:rPr lang="en-US" dirty="0" err="1"/>
+              <a:t>reddit</a:t>
+            </a:r>
+            <a:r>
+              <a:rPr lang="en-US" dirty="0"/>
+              <a:t> data decreased the test accuracy by about 2%, but the </a:t>
+            </a:r>
+            <a:r>
+              <a:rPr lang="en-US" dirty="0" err="1"/>
+              <a:t>Kaggle</a:t>
+            </a:r>
+            <a:r>
+              <a:rPr lang="en-US" dirty="0"/>
+              <a:t> MBTI data was not as applicable to average texting, because it is based on text where people are talking about their personalities. Adding the Reddit data helps prevent overfitting, for example, one of the most strongly weighted words (towards extroversion) is </a:t>
+            </a:r>
+            <a:r>
+              <a:rPr lang="en-US" dirty="0" err="1"/>
+              <a:t>socionics</a:t>
+            </a:r>
+            <a:r>
+              <a:rPr lang="en-US" dirty="0"/>
+              <a:t>. </a:t>
+            </a:r>
+            <a:r>
+              <a:rPr lang="en-US" dirty="0" err="1"/>
+              <a:t>Socionics</a:t>
+            </a:r>
+            <a:r>
+              <a:rPr lang="en-US" dirty="0"/>
+              <a:t> is not a word used in many texting conversations, but it was used fairly commonly in the MBTI forum drawn from for the </a:t>
+            </a:r>
+            <a:r>
+              <a:rPr lang="en-US" dirty="0" err="1"/>
+              <a:t>Kaggle</a:t>
+            </a:r>
+            <a:r>
+              <a:rPr lang="en-US" dirty="0"/>
+              <a:t> dataset.</a:t>
+            </a:r>
+          </a:p>
+          <a:p>
+            <a:endParaRPr lang="en-US" dirty="0"/>
+          </a:p>
+        </p:txBody>
+      </p:sp>
+    </p:spTree>
+    <p:extLst>
+      <p:ext uri="{BB962C8B-B14F-4D97-AF65-F5344CB8AC3E}">
+        <p14:creationId xmlns:p14="http://schemas.microsoft.com/office/powerpoint/2010/main" val="924936306"/>
+      </p:ext>
+    </p:extLst>
+  </p:cSld>
+  <p:clrMapOvr>
+    <a:masterClrMapping/>
+  </p:clrMapOvr>
+</p:sld>
+</file>
+
+<file path=ppt/slides/slide12.xml><?xml version="1.0" encoding="utf-8"?>
+<p:sld xmlns:a="http://schemas.openxmlformats.org/drawingml/2006/main" xmlns:r="http://schemas.openxmlformats.org/officeDocument/2006/relationships" xmlns:p="http://schemas.openxmlformats.org/presentationml/2006/main">
+  <p:cSld>
+    <p:spTree>
+      <p:nvGrpSpPr>
+        <p:cNvPr id="1" name=""/>
+        <p:cNvGrpSpPr/>
+        <p:nvPr/>
+      </p:nvGrpSpPr>
+      <p:grpSpPr>
+        <a:xfrm>
+          <a:off x="0" y="0"/>
+          <a:ext cx="0" cy="0"/>
+          <a:chOff x="0" y="0"/>
+          <a:chExt cx="0" cy="0"/>
+        </a:xfrm>
+      </p:grpSpPr>
+      <p:sp>
+        <p:nvSpPr>
+          <p:cNvPr id="2" name="Title 1"/>
+          <p:cNvSpPr>
+            <a:spLocks noGrp="1"/>
+          </p:cNvSpPr>
+          <p:nvPr>
+            <p:ph type="title"/>
+          </p:nvPr>
+        </p:nvSpPr>
+        <p:spPr/>
+        <p:txBody>
+          <a:bodyPr/>
+          <a:lstStyle/>
+          <a:p>
             <a:endParaRPr lang="en-US" dirty="0"/>
           </a:p>
         </p:txBody>
@@ -6217,7 +6711,7 @@
 </p:sld>
 </file>
 
-<file path=ppt/slides/slide11.xml><?xml version="1.0" encoding="utf-8"?>
+<file path=ppt/slides/slide13.xml><?xml version="1.0" encoding="utf-8"?>
 <p:sld xmlns:a="http://schemas.openxmlformats.org/drawingml/2006/main" xmlns:r="http://schemas.openxmlformats.org/officeDocument/2006/relationships" xmlns:p="http://schemas.openxmlformats.org/presentationml/2006/main">
   <p:cSld>
     <p:spTree>
@@ -6911,70 +7405,31 @@
           <a:p>
             <a:r>
               <a:rPr lang="en-US" dirty="0" smtClean="0"/>
-              <a:t>Predicting all the personality types at once is not possible, because the bias of the dataset overwrites the information extracted from the text.</a:t>
-            </a:r>
-            <a:endParaRPr lang="en-US" dirty="0"/>
-          </a:p>
-        </p:txBody>
-      </p:sp>
-      <p:pic>
-        <p:nvPicPr>
-          <p:cNvPr id="1026" name="Picture 2"/>
-          <p:cNvPicPr>
-            <a:picLocks noChangeAspect="1" noChangeArrowheads="1"/>
-          </p:cNvPicPr>
-          <p:nvPr/>
-        </p:nvPicPr>
-        <p:blipFill>
-          <a:blip r:embed="rId2">
-            <a:extLst>
-              <a:ext uri="{28A0092B-C50C-407E-A947-70E740481C1C}">
-                <a14:useLocalDpi xmlns:a14="http://schemas.microsoft.com/office/drawing/2010/main" val="0"/>
-              </a:ext>
-            </a:extLst>
-          </a:blip>
-          <a:srcRect/>
-          <a:stretch>
-            <a:fillRect/>
-          </a:stretch>
-        </p:blipFill>
-        <p:spPr bwMode="auto">
-          <a:xfrm>
-            <a:off x="2895600" y="3485804"/>
-            <a:ext cx="3333750" cy="3162300"/>
-          </a:xfrm>
-          <a:prstGeom prst="rect">
-            <a:avLst/>
-          </a:prstGeom>
-          <a:noFill/>
-          <a:ln>
-            <a:noFill/>
-          </a:ln>
-          <a:extLst>
-            <a:ext uri="{909E8E84-426E-40DD-AFC4-6F175D3DCCD1}">
-              <a14:hiddenFill xmlns:a14="http://schemas.microsoft.com/office/drawing/2010/main">
-                <a:solidFill>
-                  <a:schemeClr val="accent1"/>
-                </a:solidFill>
-              </a14:hiddenFill>
-            </a:ext>
-            <a:ext uri="{91240B29-F687-4F45-9708-019B960494DF}">
-              <a14:hiddenLine xmlns:a14="http://schemas.microsoft.com/office/drawing/2010/main" w="9525">
+              <a:t>I tested stemming as well but its effect on the results was negligible (two of the types went up and two went down by nearly the same amount)</a:t>
+            </a:r>
+          </a:p>
+          <a:p>
+            <a:pPr lvl="1"/>
+            <a:r>
+              <a:rPr lang="en-US" dirty="0" smtClean="0">
                 <a:solidFill>
                   <a:schemeClr val="tx1"/>
                 </a:solidFill>
-                <a:miter lim="800000"/>
-                <a:headEnd/>
-                <a:tailEnd/>
-              </a14:hiddenLine>
-            </a:ext>
-          </a:extLst>
-        </p:spPr>
-      </p:pic>
+              </a:rPr>
+              <a:t>Since stemming is also slower I excluded it from my models after this test</a:t>
+            </a:r>
+            <a:endParaRPr lang="en-US" dirty="0">
+              <a:solidFill>
+                <a:schemeClr val="tx1"/>
+              </a:solidFill>
+            </a:endParaRPr>
+          </a:p>
+        </p:txBody>
+      </p:sp>
     </p:spTree>
     <p:extLst>
       <p:ext uri="{BB962C8B-B14F-4D97-AF65-F5344CB8AC3E}">
-        <p14:creationId xmlns:p14="http://schemas.microsoft.com/office/powerpoint/2010/main" val="2571231525"/>
+        <p14:creationId xmlns:p14="http://schemas.microsoft.com/office/powerpoint/2010/main" val="2295584388"/>
       </p:ext>
     </p:extLst>
   </p:cSld>
@@ -7018,7 +7473,7 @@
           <a:p>
             <a:r>
               <a:rPr lang="en-US" dirty="0" smtClean="0"/>
-              <a:t>Findings </a:t>
+              <a:t>Findings</a:t>
             </a:r>
             <a:endParaRPr lang="en-US" dirty="0"/>
           </a:p>
@@ -7036,76 +7491,75 @@
         </p:nvSpPr>
         <p:spPr/>
         <p:txBody>
-          <a:bodyPr>
-            <a:normAutofit/>
-          </a:bodyPr>
+          <a:bodyPr/>
           <a:lstStyle/>
           <a:p>
             <a:r>
               <a:rPr lang="en-US" dirty="0" smtClean="0"/>
-              <a:t>Numerous different models were tested:</a:t>
-            </a:r>
-          </a:p>
-          <a:p>
-            <a:pPr lvl="1"/>
-            <a:r>
-              <a:rPr lang="en-US" dirty="0" err="1" smtClean="0"/>
-              <a:t>MultinomialNB</a:t>
-            </a:r>
-            <a:endParaRPr lang="en-US" dirty="0" smtClean="0"/>
-          </a:p>
-          <a:p>
-            <a:pPr lvl="1"/>
-            <a:r>
-              <a:rPr lang="en-US" dirty="0" err="1" smtClean="0"/>
-              <a:t>LinearSVC</a:t>
-            </a:r>
-            <a:endParaRPr lang="en-US" dirty="0" smtClean="0"/>
-          </a:p>
-          <a:p>
-            <a:pPr lvl="1"/>
-            <a:r>
-              <a:rPr lang="en-US" dirty="0" err="1" smtClean="0"/>
-              <a:t>LogisticRegression</a:t>
-            </a:r>
-            <a:endParaRPr lang="en-US" dirty="0" smtClean="0"/>
-          </a:p>
-          <a:p>
-            <a:pPr lvl="1"/>
-            <a:r>
-              <a:rPr lang="en-US" dirty="0" err="1" smtClean="0"/>
-              <a:t>SGDClassifier</a:t>
-            </a:r>
-            <a:endParaRPr lang="en-US" dirty="0" smtClean="0"/>
-          </a:p>
-          <a:p>
-            <a:pPr lvl="1"/>
-            <a:r>
-              <a:rPr lang="en-US" dirty="0" err="1" smtClean="0"/>
-              <a:t>XGBClassifier</a:t>
-            </a:r>
-            <a:endParaRPr lang="en-US" dirty="0" smtClean="0"/>
-          </a:p>
-          <a:p>
-            <a:pPr lvl="1"/>
-            <a:r>
-              <a:rPr lang="en-US" dirty="0" smtClean="0"/>
-              <a:t>CNN</a:t>
-            </a:r>
-          </a:p>
-          <a:p>
-            <a:pPr lvl="1"/>
-            <a:r>
-              <a:rPr lang="en-US" dirty="0" smtClean="0"/>
-              <a:t>RNN</a:t>
-            </a:r>
-          </a:p>
-        </p:txBody>
-      </p:sp>
+              <a:t>Predicting all the personality types at once is not possible, because the bias of the dataset overwrites the information extracted from the text.</a:t>
+            </a:r>
+            <a:endParaRPr lang="en-US" dirty="0"/>
+          </a:p>
+        </p:txBody>
+      </p:sp>
+      <p:pic>
+        <p:nvPicPr>
+          <p:cNvPr id="1026" name="Picture 2"/>
+          <p:cNvPicPr>
+            <a:picLocks noChangeAspect="1" noChangeArrowheads="1"/>
+          </p:cNvPicPr>
+          <p:nvPr/>
+        </p:nvPicPr>
+        <p:blipFill>
+          <a:blip r:embed="rId2">
+            <a:extLst>
+              <a:ext uri="{28A0092B-C50C-407E-A947-70E740481C1C}">
+                <a14:useLocalDpi xmlns:a14="http://schemas.microsoft.com/office/drawing/2010/main" val="0"/>
+              </a:ext>
+            </a:extLst>
+          </a:blip>
+          <a:srcRect/>
+          <a:stretch>
+            <a:fillRect/>
+          </a:stretch>
+        </p:blipFill>
+        <p:spPr bwMode="auto">
+          <a:xfrm>
+            <a:off x="2895600" y="3485804"/>
+            <a:ext cx="3333750" cy="3162300"/>
+          </a:xfrm>
+          <a:prstGeom prst="rect">
+            <a:avLst/>
+          </a:prstGeom>
+          <a:noFill/>
+          <a:ln>
+            <a:noFill/>
+          </a:ln>
+          <a:extLst>
+            <a:ext uri="{909E8E84-426E-40DD-AFC4-6F175D3DCCD1}">
+              <a14:hiddenFill xmlns:a14="http://schemas.microsoft.com/office/drawing/2010/main">
+                <a:solidFill>
+                  <a:schemeClr val="accent1"/>
+                </a:solidFill>
+              </a14:hiddenFill>
+            </a:ext>
+            <a:ext uri="{91240B29-F687-4F45-9708-019B960494DF}">
+              <a14:hiddenLine xmlns:a14="http://schemas.microsoft.com/office/drawing/2010/main" w="9525">
+                <a:solidFill>
+                  <a:schemeClr val="tx1"/>
+                </a:solidFill>
+                <a:miter lim="800000"/>
+                <a:headEnd/>
+                <a:tailEnd/>
+              </a14:hiddenLine>
+            </a:ext>
+          </a:extLst>
+        </p:spPr>
+      </p:pic>
     </p:spTree>
     <p:extLst>
       <p:ext uri="{BB962C8B-B14F-4D97-AF65-F5344CB8AC3E}">
-        <p14:creationId xmlns:p14="http://schemas.microsoft.com/office/powerpoint/2010/main" val="1374446813"/>
+        <p14:creationId xmlns:p14="http://schemas.microsoft.com/office/powerpoint/2010/main" val="2571231525"/>
       </p:ext>
     </p:extLst>
   </p:cSld>
@@ -7149,7 +7603,7 @@
           <a:p>
             <a:r>
               <a:rPr lang="en-US" dirty="0" smtClean="0"/>
-              <a:t>Findings</a:t>
+              <a:t>Findings </a:t>
             </a:r>
             <a:endParaRPr lang="en-US" dirty="0"/>
           </a:p>
@@ -7165,317 +7619,189 @@
             <p:ph sz="quarter" idx="1"/>
           </p:nvPr>
         </p:nvSpPr>
-        <p:spPr/>
-        <p:txBody>
-          <a:bodyPr/>
+        <p:spPr>
+          <a:xfrm>
+            <a:off x="301752" y="1527048"/>
+            <a:ext cx="8503920" cy="4797552"/>
+          </a:xfrm>
+        </p:spPr>
+        <p:txBody>
+          <a:bodyPr>
+            <a:normAutofit lnSpcReduction="10000"/>
+          </a:bodyPr>
           <a:lstStyle/>
           <a:p>
             <a:r>
               <a:rPr lang="en-US" dirty="0" smtClean="0"/>
-              <a:t>The test accuracy of the personality types are ~65-70% using </a:t>
-            </a:r>
-            <a:r>
-              <a:rPr lang="en-US" dirty="0" err="1" smtClean="0"/>
-              <a:t>MultinomialNB</a:t>
-            </a:r>
-            <a:endParaRPr lang="en-US" dirty="0"/>
-          </a:p>
-        </p:txBody>
-      </p:sp>
-      <p:pic>
-        <p:nvPicPr>
-          <p:cNvPr id="2052" name="Picture 1"/>
-          <p:cNvPicPr>
-            <a:picLocks noChangeAspect="1" noChangeArrowheads="1"/>
-          </p:cNvPicPr>
-          <p:nvPr/>
-        </p:nvPicPr>
-        <p:blipFill>
-          <a:blip r:embed="rId2">
-            <a:extLst>
-              <a:ext uri="{28A0092B-C50C-407E-A947-70E740481C1C}">
-                <a14:useLocalDpi xmlns:a14="http://schemas.microsoft.com/office/drawing/2010/main" val="0"/>
-              </a:ext>
-            </a:extLst>
-          </a:blip>
-          <a:srcRect/>
-          <a:stretch>
-            <a:fillRect/>
-          </a:stretch>
-        </p:blipFill>
-        <p:spPr bwMode="auto">
-          <a:xfrm>
-            <a:off x="857250" y="2562225"/>
-            <a:ext cx="2895600" cy="2114550"/>
-          </a:xfrm>
-          <a:prstGeom prst="rect">
-            <a:avLst/>
-          </a:prstGeom>
-          <a:noFill/>
-          <a:extLst>
-            <a:ext uri="{909E8E84-426E-40DD-AFC4-6F175D3DCCD1}">
-              <a14:hiddenFill xmlns:a14="http://schemas.microsoft.com/office/drawing/2010/main">
-                <a:solidFill>
-                  <a:srgbClr val="FFFFFF"/>
-                </a:solidFill>
-              </a14:hiddenFill>
-            </a:ext>
-          </a:extLst>
-        </p:spPr>
-      </p:pic>
-      <p:pic>
-        <p:nvPicPr>
-          <p:cNvPr id="2051" name="Picture 19"/>
-          <p:cNvPicPr>
-            <a:picLocks noChangeAspect="1" noChangeArrowheads="1"/>
-          </p:cNvPicPr>
-          <p:nvPr/>
-        </p:nvPicPr>
-        <p:blipFill>
-          <a:blip r:embed="rId3">
-            <a:extLst>
-              <a:ext uri="{28A0092B-C50C-407E-A947-70E740481C1C}">
-                <a14:useLocalDpi xmlns:a14="http://schemas.microsoft.com/office/drawing/2010/main" val="0"/>
-              </a:ext>
-            </a:extLst>
-          </a:blip>
-          <a:srcRect/>
-          <a:stretch>
-            <a:fillRect/>
-          </a:stretch>
-        </p:blipFill>
-        <p:spPr bwMode="auto">
-          <a:xfrm>
-            <a:off x="5181600" y="2562225"/>
-            <a:ext cx="2686050" cy="2105025"/>
-          </a:xfrm>
-          <a:prstGeom prst="rect">
-            <a:avLst/>
-          </a:prstGeom>
-          <a:noFill/>
-          <a:extLst>
-            <a:ext uri="{909E8E84-426E-40DD-AFC4-6F175D3DCCD1}">
-              <a14:hiddenFill xmlns:a14="http://schemas.microsoft.com/office/drawing/2010/main">
-                <a:solidFill>
-                  <a:srgbClr val="FFFFFF"/>
-                </a:solidFill>
-              </a14:hiddenFill>
-            </a:ext>
-          </a:extLst>
-        </p:spPr>
-      </p:pic>
-      <p:pic>
-        <p:nvPicPr>
-          <p:cNvPr id="2050" name="Picture 20"/>
-          <p:cNvPicPr>
-            <a:picLocks noChangeAspect="1" noChangeArrowheads="1"/>
-          </p:cNvPicPr>
-          <p:nvPr/>
-        </p:nvPicPr>
-        <p:blipFill>
-          <a:blip r:embed="rId4">
-            <a:extLst>
-              <a:ext uri="{28A0092B-C50C-407E-A947-70E740481C1C}">
-                <a14:useLocalDpi xmlns:a14="http://schemas.microsoft.com/office/drawing/2010/main" val="0"/>
-              </a:ext>
-            </a:extLst>
-          </a:blip>
-          <a:srcRect/>
-          <a:stretch>
-            <a:fillRect/>
-          </a:stretch>
-        </p:blipFill>
-        <p:spPr bwMode="auto">
-          <a:xfrm>
-            <a:off x="990600" y="4750116"/>
-            <a:ext cx="2628900" cy="2066925"/>
-          </a:xfrm>
-          <a:prstGeom prst="rect">
-            <a:avLst/>
-          </a:prstGeom>
-          <a:noFill/>
-          <a:extLst>
-            <a:ext uri="{909E8E84-426E-40DD-AFC4-6F175D3DCCD1}">
-              <a14:hiddenFill xmlns:a14="http://schemas.microsoft.com/office/drawing/2010/main">
-                <a:solidFill>
-                  <a:srgbClr val="FFFFFF"/>
-                </a:solidFill>
-              </a14:hiddenFill>
-            </a:ext>
-          </a:extLst>
-        </p:spPr>
-      </p:pic>
-      <p:pic>
-        <p:nvPicPr>
-          <p:cNvPr id="2049" name="Picture 21"/>
-          <p:cNvPicPr>
-            <a:picLocks noChangeAspect="1" noChangeArrowheads="1"/>
-          </p:cNvPicPr>
-          <p:nvPr/>
-        </p:nvPicPr>
-        <p:blipFill>
-          <a:blip r:embed="rId5">
-            <a:extLst>
-              <a:ext uri="{28A0092B-C50C-407E-A947-70E740481C1C}">
-                <a14:useLocalDpi xmlns:a14="http://schemas.microsoft.com/office/drawing/2010/main" val="0"/>
-              </a:ext>
-            </a:extLst>
-          </a:blip>
-          <a:srcRect/>
-          <a:stretch>
-            <a:fillRect/>
-          </a:stretch>
-        </p:blipFill>
-        <p:spPr bwMode="auto">
-          <a:xfrm>
-            <a:off x="5194069" y="4750115"/>
-            <a:ext cx="2628900" cy="2066925"/>
-          </a:xfrm>
-          <a:prstGeom prst="rect">
-            <a:avLst/>
-          </a:prstGeom>
-          <a:noFill/>
-          <a:extLst>
-            <a:ext uri="{909E8E84-426E-40DD-AFC4-6F175D3DCCD1}">
-              <a14:hiddenFill xmlns:a14="http://schemas.microsoft.com/office/drawing/2010/main">
-                <a:solidFill>
-                  <a:srgbClr val="FFFFFF"/>
-                </a:solidFill>
-              </a14:hiddenFill>
-            </a:ext>
-          </a:extLst>
-        </p:spPr>
-      </p:pic>
-      <p:sp>
-        <p:nvSpPr>
-          <p:cNvPr id="4" name="Rectangle 5"/>
-          <p:cNvSpPr>
-            <a:spLocks noChangeArrowheads="1"/>
-          </p:cNvSpPr>
-          <p:nvPr/>
-        </p:nvSpPr>
-        <p:spPr bwMode="auto">
-          <a:xfrm>
-            <a:off x="0" y="0"/>
-            <a:ext cx="9144000" cy="457200"/>
-          </a:xfrm>
-          <a:prstGeom prst="rect">
-            <a:avLst/>
-          </a:prstGeom>
-          <a:noFill/>
-          <a:ln>
-            <a:noFill/>
-          </a:ln>
-          <a:effectLst/>
-          <a:extLst>
-            <a:ext uri="{909E8E84-426E-40DD-AFC4-6F175D3DCCD1}">
-              <a14:hiddenFill xmlns:a14="http://schemas.microsoft.com/office/drawing/2010/main">
-                <a:solidFill>
-                  <a:schemeClr val="accent1"/>
-                </a:solidFill>
-              </a14:hiddenFill>
-            </a:ext>
-            <a:ext uri="{91240B29-F687-4F45-9708-019B960494DF}">
-              <a14:hiddenLine xmlns:a14="http://schemas.microsoft.com/office/drawing/2010/main" w="9525">
+              <a:t>Numerous different models were tested:</a:t>
+            </a:r>
+          </a:p>
+          <a:p>
+            <a:pPr lvl="1"/>
+            <a:r>
+              <a:rPr lang="en-US" dirty="0" err="1" smtClean="0">
                 <a:solidFill>
                   <a:schemeClr val="tx1"/>
                 </a:solidFill>
-                <a:miter lim="800000"/>
-                <a:headEnd/>
-                <a:tailEnd/>
-              </a14:hiddenLine>
-            </a:ext>
-            <a:ext uri="{AF507438-7753-43E0-B8FC-AC1667EBCBE1}">
-              <a14:hiddenEffects xmlns:a14="http://schemas.microsoft.com/office/drawing/2010/main">
-                <a:effectLst>
-                  <a:outerShdw dist="35921" dir="2700000" algn="ctr" rotWithShape="0">
-                    <a:schemeClr val="bg2"/>
-                  </a:outerShdw>
-                </a:effectLst>
-              </a14:hiddenEffects>
-            </a:ext>
-          </a:extLst>
-        </p:spPr>
-        <p:txBody>
-          <a:bodyPr vert="horz" wrap="none" lIns="91440" tIns="45720" rIns="91440" bIns="45720" numCol="1" anchor="ctr" anchorCtr="0" compatLnSpc="1">
-            <a:prstTxWarp prst="textNoShape">
-              <a:avLst/>
-            </a:prstTxWarp>
-            <a:spAutoFit/>
-          </a:bodyPr>
-          <a:lstStyle/>
-          <a:p>
-            <a:endParaRPr lang="en-US"/>
-          </a:p>
-        </p:txBody>
-      </p:sp>
-      <p:sp>
-        <p:nvSpPr>
-          <p:cNvPr id="5" name="Rectangle 6"/>
-          <p:cNvSpPr>
-            <a:spLocks noChangeArrowheads="1"/>
-          </p:cNvSpPr>
-          <p:nvPr/>
-        </p:nvSpPr>
-        <p:spPr bwMode="auto">
-          <a:xfrm>
-            <a:off x="0" y="4676775"/>
-            <a:ext cx="9144000" cy="457200"/>
-          </a:xfrm>
-          <a:prstGeom prst="rect">
-            <a:avLst/>
-          </a:prstGeom>
-          <a:noFill/>
-          <a:ln>
-            <a:noFill/>
-          </a:ln>
-          <a:effectLst/>
-          <a:extLst>
-            <a:ext uri="{909E8E84-426E-40DD-AFC4-6F175D3DCCD1}">
-              <a14:hiddenFill xmlns:a14="http://schemas.microsoft.com/office/drawing/2010/main">
-                <a:solidFill>
-                  <a:schemeClr val="accent1"/>
-                </a:solidFill>
-              </a14:hiddenFill>
-            </a:ext>
-            <a:ext uri="{91240B29-F687-4F45-9708-019B960494DF}">
-              <a14:hiddenLine xmlns:a14="http://schemas.microsoft.com/office/drawing/2010/main" w="9525">
+              </a:rPr>
+              <a:t>MultinomialNB</a:t>
+            </a:r>
+            <a:endParaRPr lang="en-US" dirty="0" smtClean="0">
+              <a:solidFill>
+                <a:schemeClr val="tx1"/>
+              </a:solidFill>
+            </a:endParaRPr>
+          </a:p>
+          <a:p>
+            <a:pPr lvl="1"/>
+            <a:r>
+              <a:rPr lang="en-US" dirty="0" err="1" smtClean="0">
                 <a:solidFill>
                   <a:schemeClr val="tx1"/>
                 </a:solidFill>
-                <a:miter lim="800000"/>
-                <a:headEnd/>
-                <a:tailEnd/>
-              </a14:hiddenLine>
-            </a:ext>
-            <a:ext uri="{AF507438-7753-43E0-B8FC-AC1667EBCBE1}">
-              <a14:hiddenEffects xmlns:a14="http://schemas.microsoft.com/office/drawing/2010/main">
-                <a:effectLst>
-                  <a:outerShdw dist="35921" dir="2700000" algn="ctr" rotWithShape="0">
-                    <a:schemeClr val="bg2"/>
-                  </a:outerShdw>
-                </a:effectLst>
-              </a14:hiddenEffects>
-            </a:ext>
-          </a:extLst>
-        </p:spPr>
-        <p:txBody>
-          <a:bodyPr vert="horz" wrap="none" lIns="91440" tIns="45720" rIns="91440" bIns="45720" numCol="1" anchor="ctr" anchorCtr="0" compatLnSpc="1">
-            <a:prstTxWarp prst="textNoShape">
-              <a:avLst/>
-            </a:prstTxWarp>
-            <a:spAutoFit/>
-          </a:bodyPr>
-          <a:lstStyle/>
-          <a:p>
-            <a:endParaRPr lang="en-US"/>
+              </a:rPr>
+              <a:t>LinearSVC</a:t>
+            </a:r>
+            <a:endParaRPr lang="en-US" dirty="0" smtClean="0">
+              <a:solidFill>
+                <a:schemeClr val="tx1"/>
+              </a:solidFill>
+            </a:endParaRPr>
+          </a:p>
+          <a:p>
+            <a:pPr lvl="1"/>
+            <a:r>
+              <a:rPr lang="en-US" dirty="0" err="1" smtClean="0">
+                <a:solidFill>
+                  <a:schemeClr val="tx1"/>
+                </a:solidFill>
+              </a:rPr>
+              <a:t>LogisticRegression</a:t>
+            </a:r>
+            <a:endParaRPr lang="en-US" dirty="0" smtClean="0">
+              <a:solidFill>
+                <a:schemeClr val="tx1"/>
+              </a:solidFill>
+            </a:endParaRPr>
+          </a:p>
+          <a:p>
+            <a:pPr lvl="1"/>
+            <a:r>
+              <a:rPr lang="en-US" dirty="0" err="1" smtClean="0">
+                <a:solidFill>
+                  <a:schemeClr val="tx1"/>
+                </a:solidFill>
+              </a:rPr>
+              <a:t>SGDClassifier</a:t>
+            </a:r>
+            <a:endParaRPr lang="en-US" dirty="0" smtClean="0">
+              <a:solidFill>
+                <a:schemeClr val="tx1"/>
+              </a:solidFill>
+            </a:endParaRPr>
+          </a:p>
+          <a:p>
+            <a:pPr lvl="1"/>
+            <a:r>
+              <a:rPr lang="en-US" dirty="0" err="1" smtClean="0">
+                <a:solidFill>
+                  <a:schemeClr val="tx1"/>
+                </a:solidFill>
+              </a:rPr>
+              <a:t>XGBClassifier</a:t>
+            </a:r>
+            <a:endParaRPr lang="en-US" dirty="0" smtClean="0">
+              <a:solidFill>
+                <a:schemeClr val="tx1"/>
+              </a:solidFill>
+            </a:endParaRPr>
+          </a:p>
+          <a:p>
+            <a:pPr lvl="1"/>
+            <a:r>
+              <a:rPr lang="en-US" dirty="0" smtClean="0">
+                <a:solidFill>
+                  <a:schemeClr val="tx1"/>
+                </a:solidFill>
+              </a:rPr>
+              <a:t>CNN</a:t>
+            </a:r>
+          </a:p>
+          <a:p>
+            <a:pPr lvl="1"/>
+            <a:r>
+              <a:rPr lang="en-US" dirty="0" smtClean="0">
+                <a:solidFill>
+                  <a:schemeClr val="tx1"/>
+                </a:solidFill>
+              </a:rPr>
+              <a:t>RNN</a:t>
+            </a:r>
+          </a:p>
+          <a:p>
+            <a:r>
+              <a:rPr lang="en-US" dirty="0" smtClean="0"/>
+              <a:t>The different classifiers varied from ~</a:t>
+            </a:r>
+            <a:r>
+              <a:rPr lang="en-US" dirty="0"/>
+              <a:t>63%-73</a:t>
+            </a:r>
+            <a:r>
+              <a:rPr lang="en-US" dirty="0" smtClean="0"/>
+              <a:t>% on IE</a:t>
+            </a:r>
+          </a:p>
+          <a:p>
+            <a:r>
+              <a:rPr lang="en-US" dirty="0" smtClean="0"/>
+              <a:t>They were similar for the other types</a:t>
+            </a:r>
+          </a:p>
+          <a:p>
+            <a:r>
+              <a:rPr lang="en-US" dirty="0" smtClean="0"/>
+              <a:t>In order of smallest F1 score: </a:t>
+            </a:r>
+            <a:r>
+              <a:rPr lang="en-US" dirty="0" err="1" smtClean="0"/>
+              <a:t>LogReg</a:t>
+            </a:r>
+            <a:r>
+              <a:rPr lang="en-US" dirty="0" smtClean="0"/>
+              <a:t>, </a:t>
+            </a:r>
+            <a:r>
+              <a:rPr lang="en-US" dirty="0" err="1" smtClean="0"/>
+              <a:t>MultNB</a:t>
+            </a:r>
+            <a:r>
+              <a:rPr lang="en-US" dirty="0" smtClean="0"/>
+              <a:t>, SGD, </a:t>
+            </a:r>
+            <a:r>
+              <a:rPr lang="en-US" dirty="0" err="1" smtClean="0"/>
+              <a:t>XGboost</a:t>
+            </a:r>
+            <a:r>
+              <a:rPr lang="en-US" dirty="0" smtClean="0"/>
+              <a:t>, </a:t>
+            </a:r>
+            <a:r>
+              <a:rPr lang="en-US" dirty="0" err="1" smtClean="0"/>
+              <a:t>LinearSVC</a:t>
+            </a:r>
+            <a:endParaRPr lang="en-US" dirty="0" smtClean="0"/>
+          </a:p>
+          <a:p>
+            <a:endParaRPr lang="en-US" dirty="0" smtClean="0"/>
           </a:p>
         </p:txBody>
       </p:sp>
     </p:spTree>
     <p:extLst>
       <p:ext uri="{BB962C8B-B14F-4D97-AF65-F5344CB8AC3E}">
-        <p14:creationId xmlns:p14="http://schemas.microsoft.com/office/powerpoint/2010/main" val="3552307657"/>
+        <p14:creationId xmlns:p14="http://schemas.microsoft.com/office/powerpoint/2010/main" val="1374446813"/>
       </p:ext>
     </p:extLst>
   </p:cSld>
